--- a/content/talks/Financial Economics Seminar 2023/files/thakor-fintech.pptx
+++ b/content/talks/Financial Economics Seminar 2023/files/thakor-fintech.pptx
@@ -125,14 +125,6 @@
     </p:ext>
   </p:extLst>
 </p:presentation>
-</file>
-
-<file path=ppt/revisionInfo.xml><?xml version="1.0" encoding="utf-8"?>
-<p1510:revInfo xmlns:a="http://schemas.openxmlformats.org/drawingml/2006/main" xmlns:r="http://schemas.openxmlformats.org/officeDocument/2006/relationships" xmlns:p1510="http://schemas.microsoft.com/office/powerpoint/2015/10/main">
-  <p1510:revLst>
-    <p1510:client id="{E593CEFC-6319-4468-9DDF-929D879809FB}" v="125" dt="2023-01-16T02:11:04.320"/>
-  </p1510:revLst>
-</p1510:revInfo>
 </file>
 
 <file path=ppt/changesInfos/changesInfo1.xml><?xml version="1.0" encoding="utf-8"?>
@@ -1346,6 +1338,30 @@
       </pc:sldChg>
     </pc:docChg>
   </pc:docChgLst>
+  <pc:docChgLst>
+    <pc:chgData name="Bozman, Adam Nathaniel" userId="f0638ef9-1deb-4360-a9b3-4111be3bf51a" providerId="ADAL" clId="{31D50198-AE70-4DD7-8960-D1F3CFAC6DB7}"/>
+    <pc:docChg chg="modSld">
+      <pc:chgData name="Bozman, Adam Nathaniel" userId="f0638ef9-1deb-4360-a9b3-4111be3bf51a" providerId="ADAL" clId="{31D50198-AE70-4DD7-8960-D1F3CFAC6DB7}" dt="2023-01-17T19:58:46.666" v="0" actId="20577"/>
+      <pc:docMkLst>
+        <pc:docMk/>
+      </pc:docMkLst>
+      <pc:sldChg chg="modSp mod">
+        <pc:chgData name="Bozman, Adam Nathaniel" userId="f0638ef9-1deb-4360-a9b3-4111be3bf51a" providerId="ADAL" clId="{31D50198-AE70-4DD7-8960-D1F3CFAC6DB7}" dt="2023-01-17T19:58:46.666" v="0" actId="20577"/>
+        <pc:sldMkLst>
+          <pc:docMk/>
+          <pc:sldMk cId="1988255136" sldId="281"/>
+        </pc:sldMkLst>
+        <pc:spChg chg="mod">
+          <ac:chgData name="Bozman, Adam Nathaniel" userId="f0638ef9-1deb-4360-a9b3-4111be3bf51a" providerId="ADAL" clId="{31D50198-AE70-4DD7-8960-D1F3CFAC6DB7}" dt="2023-01-17T19:58:46.666" v="0" actId="20577"/>
+          <ac:spMkLst>
+            <pc:docMk/>
+            <pc:sldMk cId="1988255136" sldId="281"/>
+            <ac:spMk id="6" creationId="{EEF0D0AF-BA9D-BA4C-AB3F-F8D9E7955440}"/>
+          </ac:spMkLst>
+        </pc:spChg>
+      </pc:sldChg>
+    </pc:docChg>
+  </pc:docChgLst>
 </pc:chgInfo>
 </file>
 
@@ -1506,7 +1522,7 @@
           <a:p>
             <a:fld id="{91F9259A-1FE3-4FF9-8A07-BDD8177164ED}" type="datetime4">
               <a:rPr lang="en-US" smtClean="0"/>
-              <a:t>January 15, 2023</a:t>
+              <a:t>January 17, 2023</a:t>
             </a:fld>
             <a:endParaRPr lang="en-US"/>
           </a:p>
@@ -1674,7 +1690,7 @@
           <a:p>
             <a:fld id="{E5CC3C8F-D4A7-4EAD-92AD-82C91CB8BB85}" type="datetime4">
               <a:rPr lang="en-US" smtClean="0"/>
-              <a:t>January 15, 2023</a:t>
+              <a:t>January 17, 2023</a:t>
             </a:fld>
             <a:endParaRPr lang="en-US"/>
           </a:p>
@@ -1852,7 +1868,7 @@
           <a:p>
             <a:fld id="{BC011D41-E33C-4BC7-8272-37E8417FD097}" type="datetime4">
               <a:rPr lang="en-US" smtClean="0"/>
-              <a:t>January 15, 2023</a:t>
+              <a:t>January 17, 2023</a:t>
             </a:fld>
             <a:endParaRPr lang="en-US"/>
           </a:p>
@@ -2020,7 +2036,7 @@
           <a:p>
             <a:fld id="{5D340FED-6E95-4177-A7EF-CD303B9E611D}" type="datetime4">
               <a:rPr lang="en-US" smtClean="0"/>
-              <a:t>January 15, 2023</a:t>
+              <a:t>January 17, 2023</a:t>
             </a:fld>
             <a:endParaRPr lang="en-US"/>
           </a:p>
@@ -2265,7 +2281,7 @@
           <a:p>
             <a:fld id="{477962CB-39AD-45A9-800F-54DAB53D6021}" type="datetime4">
               <a:rPr lang="en-US" smtClean="0"/>
-              <a:t>January 15, 2023</a:t>
+              <a:t>January 17, 2023</a:t>
             </a:fld>
             <a:endParaRPr lang="en-US"/>
           </a:p>
@@ -2494,7 +2510,7 @@
           <a:p>
             <a:fld id="{2DEDF93D-55AB-4606-B9D7-742F1FC51983}" type="datetime4">
               <a:rPr lang="en-US" smtClean="0"/>
-              <a:t>January 15, 2023</a:t>
+              <a:t>January 17, 2023</a:t>
             </a:fld>
             <a:endParaRPr lang="en-US"/>
           </a:p>
@@ -2859,7 +2875,7 @@
             <a:fld id="{A33960BD-7AC1-4217-9611-AAA56D3EE38F}" type="datetime4">
               <a:rPr lang="en-US" smtClean="0"/>
               <a:pPr/>
-              <a:t>January 15, 2023</a:t>
+              <a:t>January 17, 2023</a:t>
             </a:fld>
             <a:endParaRPr lang="en-US">
               <a:latin typeface="+mn-lt"/>
@@ -2984,7 +3000,7 @@
           <a:p>
             <a:fld id="{118537E9-D174-424D-BEE8-AFC4CA5F9F97}" type="datetime4">
               <a:rPr lang="en-US" smtClean="0"/>
-              <a:t>January 15, 2023</a:t>
+              <a:t>January 17, 2023</a:t>
             </a:fld>
             <a:endParaRPr lang="en-US"/>
           </a:p>
@@ -3079,7 +3095,7 @@
           <a:p>
             <a:fld id="{1C7A44C0-F7AC-49C2-8289-1E7A86D9FB50}" type="datetime4">
               <a:rPr lang="en-US" smtClean="0"/>
-              <a:t>January 15, 2023</a:t>
+              <a:t>January 17, 2023</a:t>
             </a:fld>
             <a:endParaRPr lang="en-US"/>
           </a:p>
@@ -3354,7 +3370,7 @@
           <a:p>
             <a:fld id="{73BB84BC-6E78-40D1-8831-40AB1F596614}" type="datetime4">
               <a:rPr lang="en-US" smtClean="0"/>
-              <a:t>January 15, 2023</a:t>
+              <a:t>January 17, 2023</a:t>
             </a:fld>
             <a:endParaRPr lang="en-US"/>
           </a:p>
@@ -3609,7 +3625,7 @@
           <a:p>
             <a:fld id="{ADFA080F-3961-4D42-BEDE-84A1FED032F1}" type="datetime4">
               <a:rPr lang="en-US" smtClean="0"/>
-              <a:t>January 15, 2023</a:t>
+              <a:t>January 17, 2023</a:t>
             </a:fld>
             <a:endParaRPr lang="en-US"/>
           </a:p>
@@ -3841,7 +3857,7 @@
             <a:fld id="{A33960BD-7AC1-4217-9611-AAA56D3EE38F}" type="datetime4">
               <a:rPr lang="en-US" smtClean="0"/>
               <a:pPr/>
-              <a:t>January 15, 2023</a:t>
+              <a:t>January 17, 2023</a:t>
             </a:fld>
             <a:endParaRPr lang="en-US">
               <a:latin typeface="+mn-lt"/>
@@ -14392,7 +14408,29 @@
                 </a:solidFill>
                 <a:latin typeface="Corbel" panose="020B0503020204020204" pitchFamily="34" charset="0"/>
               </a:rPr>
-              <a:t>result in new business models, applications, processes, or products with and associated material effect on financial markets and institutions, and the provision of financial services.” </a:t>
+              <a:t>result in new business models, applications, processes, or products </a:t>
+            </a:r>
+            <a:r>
+              <a:rPr lang="en-US" sz="1800">
+                <a:solidFill>
+                  <a:schemeClr val="bg2">
+                    <a:lumMod val="25000"/>
+                  </a:schemeClr>
+                </a:solidFill>
+                <a:latin typeface="Corbel" panose="020B0503020204020204" pitchFamily="34" charset="0"/>
+              </a:rPr>
+              <a:t>with an </a:t>
+            </a:r>
+            <a:r>
+              <a:rPr lang="en-US" sz="1800" dirty="0">
+                <a:solidFill>
+                  <a:schemeClr val="bg2">
+                    <a:lumMod val="25000"/>
+                  </a:schemeClr>
+                </a:solidFill>
+                <a:latin typeface="Corbel" panose="020B0503020204020204" pitchFamily="34" charset="0"/>
+              </a:rPr>
+              <a:t>associated material effect on financial markets and institutions, and the provision of financial services.” </a:t>
             </a:r>
           </a:p>
           <a:p>
